--- a/Flakiness Detection.pptx
+++ b/Flakiness Detection.pptx
@@ -547,6 +547,66 @@
         </c:scaling>
         <c:delete val="0"/>
         <c:axPos val="b"/>
+        <c:title>
+          <c:tx>
+            <c:rich>
+              <a:bodyPr rot="0" spcFirstLastPara="1" vertOverflow="ellipsis" vert="horz" wrap="square" anchor="ctr" anchorCtr="1"/>
+              <a:lstStyle/>
+              <a:p>
+                <a:pPr>
+                  <a:defRPr sz="1197" b="0" i="0" u="none" strike="noStrike" kern="1200" baseline="0">
+                    <a:solidFill>
+                      <a:schemeClr val="tx1">
+                        <a:lumMod val="65000"/>
+                        <a:lumOff val="35000"/>
+                      </a:schemeClr>
+                    </a:solidFill>
+                    <a:latin typeface="+mn-lt"/>
+                    <a:ea typeface="+mn-ea"/>
+                    <a:cs typeface="+mn-cs"/>
+                  </a:defRPr>
+                </a:pPr>
+                <a:r>
+                  <a:rPr lang="it-IT" dirty="0"/>
+                  <a:t>Test </a:t>
+                </a:r>
+                <a:r>
+                  <a:rPr lang="it-IT" dirty="0" err="1"/>
+                  <a:t>Flaky</a:t>
+                </a:r>
+                <a:endParaRPr lang="it-IT" dirty="0"/>
+              </a:p>
+            </c:rich>
+          </c:tx>
+          <c:overlay val="0"/>
+          <c:spPr>
+            <a:noFill/>
+            <a:ln>
+              <a:noFill/>
+            </a:ln>
+            <a:effectLst/>
+          </c:spPr>
+          <c:txPr>
+            <a:bodyPr rot="0" spcFirstLastPara="1" vertOverflow="ellipsis" vert="horz" wrap="square" anchor="ctr" anchorCtr="1"/>
+            <a:lstStyle/>
+            <a:p>
+              <a:pPr>
+                <a:defRPr sz="1197" b="0" i="0" u="none" strike="noStrike" kern="1200" baseline="0">
+                  <a:solidFill>
+                    <a:schemeClr val="tx1">
+                      <a:lumMod val="65000"/>
+                      <a:lumOff val="35000"/>
+                    </a:schemeClr>
+                  </a:solidFill>
+                  <a:latin typeface="+mn-lt"/>
+                  <a:ea typeface="+mn-ea"/>
+                  <a:cs typeface="+mn-cs"/>
+                </a:defRPr>
+              </a:pPr>
+              <a:endParaRPr lang="it-IT"/>
+            </a:p>
+          </c:txPr>
+        </c:title>
         <c:numFmt formatCode="General" sourceLinked="1"/>
         <c:majorTickMark val="none"/>
         <c:minorTickMark val="none"/>
@@ -612,6 +672,66 @@
             <a:effectLst/>
           </c:spPr>
         </c:majorGridlines>
+        <c:title>
+          <c:tx>
+            <c:rich>
+              <a:bodyPr rot="-5400000" spcFirstLastPara="1" vertOverflow="ellipsis" vert="horz" wrap="square" anchor="ctr" anchorCtr="1"/>
+              <a:lstStyle/>
+              <a:p>
+                <a:pPr>
+                  <a:defRPr sz="1197" b="0" i="0" u="none" strike="noStrike" kern="1200" baseline="0">
+                    <a:solidFill>
+                      <a:schemeClr val="tx1">
+                        <a:lumMod val="65000"/>
+                        <a:lumOff val="35000"/>
+                      </a:schemeClr>
+                    </a:solidFill>
+                    <a:latin typeface="+mn-lt"/>
+                    <a:ea typeface="+mn-ea"/>
+                    <a:cs typeface="+mn-cs"/>
+                  </a:defRPr>
+                </a:pPr>
+                <a:r>
+                  <a:rPr lang="it-IT" dirty="0"/>
+                  <a:t>Numero</a:t>
+                </a:r>
+                <a:r>
+                  <a:rPr lang="it-IT" baseline="0" dirty="0"/>
+                  <a:t> Repository</a:t>
+                </a:r>
+                <a:endParaRPr lang="it-IT" dirty="0"/>
+              </a:p>
+            </c:rich>
+          </c:tx>
+          <c:overlay val="0"/>
+          <c:spPr>
+            <a:noFill/>
+            <a:ln>
+              <a:noFill/>
+            </a:ln>
+            <a:effectLst/>
+          </c:spPr>
+          <c:txPr>
+            <a:bodyPr rot="-5400000" spcFirstLastPara="1" vertOverflow="ellipsis" vert="horz" wrap="square" anchor="ctr" anchorCtr="1"/>
+            <a:lstStyle/>
+            <a:p>
+              <a:pPr>
+                <a:defRPr sz="1197" b="0" i="0" u="none" strike="noStrike" kern="1200" baseline="0">
+                  <a:solidFill>
+                    <a:schemeClr val="tx1">
+                      <a:lumMod val="65000"/>
+                      <a:lumOff val="35000"/>
+                    </a:schemeClr>
+                  </a:solidFill>
+                  <a:latin typeface="+mn-lt"/>
+                  <a:ea typeface="+mn-ea"/>
+                  <a:cs typeface="+mn-cs"/>
+                </a:defRPr>
+              </a:pPr>
+              <a:endParaRPr lang="it-IT"/>
+            </a:p>
+          </c:txPr>
+        </c:title>
         <c:numFmt formatCode="General" sourceLinked="1"/>
         <c:majorTickMark val="none"/>
         <c:minorTickMark val="none"/>
@@ -17741,7 +17861,7 @@
           <a:p>
             <a:fld id="{F0262E3A-3E09-4892-9D65-1B521779D59F}" type="datetimeFigureOut">
               <a:rPr lang="it-IT" smtClean="0"/>
-              <a:t>19/11/2022</a:t>
+              <a:t>20/11/2022</a:t>
             </a:fld>
             <a:endParaRPr lang="it-IT"/>
           </a:p>
@@ -17939,7 +18059,7 @@
           <a:p>
             <a:fld id="{F0262E3A-3E09-4892-9D65-1B521779D59F}" type="datetimeFigureOut">
               <a:rPr lang="it-IT" smtClean="0"/>
-              <a:t>19/11/2022</a:t>
+              <a:t>20/11/2022</a:t>
             </a:fld>
             <a:endParaRPr lang="it-IT"/>
           </a:p>
@@ -18147,7 +18267,7 @@
           <a:p>
             <a:fld id="{F0262E3A-3E09-4892-9D65-1B521779D59F}" type="datetimeFigureOut">
               <a:rPr lang="it-IT" smtClean="0"/>
-              <a:t>19/11/2022</a:t>
+              <a:t>20/11/2022</a:t>
             </a:fld>
             <a:endParaRPr lang="it-IT"/>
           </a:p>
@@ -18345,7 +18465,7 @@
           <a:p>
             <a:fld id="{F0262E3A-3E09-4892-9D65-1B521779D59F}" type="datetimeFigureOut">
               <a:rPr lang="it-IT" smtClean="0"/>
-              <a:t>19/11/2022</a:t>
+              <a:t>20/11/2022</a:t>
             </a:fld>
             <a:endParaRPr lang="it-IT"/>
           </a:p>
@@ -18620,7 +18740,7 @@
           <a:p>
             <a:fld id="{F0262E3A-3E09-4892-9D65-1B521779D59F}" type="datetimeFigureOut">
               <a:rPr lang="it-IT" smtClean="0"/>
-              <a:t>19/11/2022</a:t>
+              <a:t>20/11/2022</a:t>
             </a:fld>
             <a:endParaRPr lang="it-IT"/>
           </a:p>
@@ -18885,7 +19005,7 @@
           <a:p>
             <a:fld id="{F0262E3A-3E09-4892-9D65-1B521779D59F}" type="datetimeFigureOut">
               <a:rPr lang="it-IT" smtClean="0"/>
-              <a:t>19/11/2022</a:t>
+              <a:t>20/11/2022</a:t>
             </a:fld>
             <a:endParaRPr lang="it-IT"/>
           </a:p>
@@ -19297,7 +19417,7 @@
           <a:p>
             <a:fld id="{F0262E3A-3E09-4892-9D65-1B521779D59F}" type="datetimeFigureOut">
               <a:rPr lang="it-IT" smtClean="0"/>
-              <a:t>19/11/2022</a:t>
+              <a:t>20/11/2022</a:t>
             </a:fld>
             <a:endParaRPr lang="it-IT"/>
           </a:p>
@@ -19438,7 +19558,7 @@
           <a:p>
             <a:fld id="{F0262E3A-3E09-4892-9D65-1B521779D59F}" type="datetimeFigureOut">
               <a:rPr lang="it-IT" smtClean="0"/>
-              <a:t>19/11/2022</a:t>
+              <a:t>20/11/2022</a:t>
             </a:fld>
             <a:endParaRPr lang="it-IT"/>
           </a:p>
@@ -19551,7 +19671,7 @@
           <a:p>
             <a:fld id="{F0262E3A-3E09-4892-9D65-1B521779D59F}" type="datetimeFigureOut">
               <a:rPr lang="it-IT" smtClean="0"/>
-              <a:t>19/11/2022</a:t>
+              <a:t>20/11/2022</a:t>
             </a:fld>
             <a:endParaRPr lang="it-IT"/>
           </a:p>
@@ -19862,7 +19982,7 @@
           <a:p>
             <a:fld id="{F0262E3A-3E09-4892-9D65-1B521779D59F}" type="datetimeFigureOut">
               <a:rPr lang="it-IT" smtClean="0"/>
-              <a:t>19/11/2022</a:t>
+              <a:t>20/11/2022</a:t>
             </a:fld>
             <a:endParaRPr lang="it-IT"/>
           </a:p>
@@ -20150,7 +20270,7 @@
           <a:p>
             <a:fld id="{F0262E3A-3E09-4892-9D65-1B521779D59F}" type="datetimeFigureOut">
               <a:rPr lang="it-IT" smtClean="0"/>
-              <a:t>19/11/2022</a:t>
+              <a:t>20/11/2022</a:t>
             </a:fld>
             <a:endParaRPr lang="it-IT"/>
           </a:p>
@@ -20396,7 +20516,7 @@
           <a:p>
             <a:fld id="{F0262E3A-3E09-4892-9D65-1B521779D59F}" type="datetimeFigureOut">
               <a:rPr lang="it-IT" smtClean="0"/>
-              <a:t>19/11/2022</a:t>
+              <a:t>20/11/2022</a:t>
             </a:fld>
             <a:endParaRPr lang="it-IT"/>
           </a:p>
@@ -48112,7 +48232,7 @@
           <p:nvPr>
             <p:extLst>
               <p:ext uri="{D42A27DB-BD31-4B8C-83A1-F6EECF244321}">
-                <p14:modId xmlns:p14="http://schemas.microsoft.com/office/powerpoint/2010/main" val="769980754"/>
+                <p14:modId xmlns:p14="http://schemas.microsoft.com/office/powerpoint/2010/main" val="2023001795"/>
               </p:ext>
             </p:extLst>
           </p:nvPr>
